--- a/figs/apporach-visualisation.pptx
+++ b/figs/apporach-visualisation.pptx
@@ -5728,7 +5728,7 @@
         </p:nvSpPr>
         <p:spPr>
           <a:xfrm>
-            <a:off x="4386957" y="4221790"/>
+            <a:off x="4413207" y="4221790"/>
             <a:ext cx="2826415" cy="369332"/>
           </a:xfrm>
           <a:prstGeom prst="rect">
@@ -5853,7 +5853,7 @@
         </p:nvSpPr>
         <p:spPr>
           <a:xfrm>
-            <a:off x="1960663" y="4211632"/>
+            <a:off x="1995664" y="4206923"/>
             <a:ext cx="1460455" cy="369332"/>
           </a:xfrm>
           <a:prstGeom prst="rect">

--- a/figs/apporach-visualisation.pptx
+++ b/figs/apporach-visualisation.pptx
@@ -5541,8 +5541,8 @@
         </p:blipFill>
         <p:spPr>
           <a:xfrm>
-            <a:off x="2103020" y="2297615"/>
-            <a:ext cx="1184601" cy="1885263"/>
+            <a:off x="2194276" y="2398421"/>
+            <a:ext cx="1050259" cy="1671461"/>
           </a:xfrm>
           <a:prstGeom prst="rect">
             <a:avLst/>
@@ -5853,7 +5853,7 @@
         </p:nvSpPr>
         <p:spPr>
           <a:xfrm>
-            <a:off x="1995664" y="4206923"/>
+            <a:off x="2002149" y="4206923"/>
             <a:ext cx="1460455" cy="369332"/>
           </a:xfrm>
           <a:prstGeom prst="rect">
